--- a/ppt 16-9/1508.耶稣！耶稣！.pptx
+++ b/ppt 16-9/1508.耶稣！耶稣！.pptx
@@ -129,7 +129,7 @@
           <p:cNvPr id="2" name="标题 1">
             <a:extLst>
               <a:ext uri="{FF2B5EF4-FFF2-40B4-BE49-F238E27FC236}">
-                <a16:creationId xmlns:a16="http://schemas.microsoft.com/office/drawing/2014/main" id="{8EAA4F20-0575-AA22-2314-4105C65CD4C3}"/>
+                <a16:creationId xmlns:a16="http://schemas.microsoft.com/office/drawing/2014/main" id="{F033D077-88C2-80F4-D239-D4C2ABD1102E}"/>
               </a:ext>
             </a:extLst>
           </p:cNvPr>
@@ -166,7 +166,7 @@
           <p:cNvPr id="3" name="副标题 2">
             <a:extLst>
               <a:ext uri="{FF2B5EF4-FFF2-40B4-BE49-F238E27FC236}">
-                <a16:creationId xmlns:a16="http://schemas.microsoft.com/office/drawing/2014/main" id="{94ABF092-F1C8-0187-D415-7806AA161CA9}"/>
+                <a16:creationId xmlns:a16="http://schemas.microsoft.com/office/drawing/2014/main" id="{B4832633-4D87-6546-529B-4A30BA75DDAE}"/>
               </a:ext>
             </a:extLst>
           </p:cNvPr>
@@ -236,7 +236,7 @@
           <p:cNvPr id="4" name="日期占位符 3">
             <a:extLst>
               <a:ext uri="{FF2B5EF4-FFF2-40B4-BE49-F238E27FC236}">
-                <a16:creationId xmlns:a16="http://schemas.microsoft.com/office/drawing/2014/main" id="{B8DA034F-53BB-956C-55DC-8F0A8BC2CD68}"/>
+                <a16:creationId xmlns:a16="http://schemas.microsoft.com/office/drawing/2014/main" id="{F41D1B8C-F244-8C09-2494-39F527B26EF0}"/>
               </a:ext>
             </a:extLst>
           </p:cNvPr>
@@ -252,7 +252,7 @@
           <a:bodyPr/>
           <a:lstStyle/>
           <a:p>
-            <a:fld id="{18D42B14-2BF2-4DEB-BE6D-3455FD07ADA2}" type="datetimeFigureOut">
+            <a:fld id="{EEA0F9A1-8AFE-4FC2-AF72-5F60008C0567}" type="datetimeFigureOut">
               <a:rPr lang="zh-CN" altLang="en-US" smtClean="0"/>
               <a:t>2024/3/10</a:t>
             </a:fld>
@@ -265,7 +265,7 @@
           <p:cNvPr id="5" name="页脚占位符 4">
             <a:extLst>
               <a:ext uri="{FF2B5EF4-FFF2-40B4-BE49-F238E27FC236}">
-                <a16:creationId xmlns:a16="http://schemas.microsoft.com/office/drawing/2014/main" id="{BBCB8FC9-DE7B-BDE8-0890-EAE1A8CC80D8}"/>
+                <a16:creationId xmlns:a16="http://schemas.microsoft.com/office/drawing/2014/main" id="{AFF19244-2FBB-15B3-9BA0-635A23274EEB}"/>
               </a:ext>
             </a:extLst>
           </p:cNvPr>
@@ -290,7 +290,7 @@
           <p:cNvPr id="6" name="灯片编号占位符 5">
             <a:extLst>
               <a:ext uri="{FF2B5EF4-FFF2-40B4-BE49-F238E27FC236}">
-                <a16:creationId xmlns:a16="http://schemas.microsoft.com/office/drawing/2014/main" id="{19F9F6C3-E3E4-9DFD-DD94-FD2675856E52}"/>
+                <a16:creationId xmlns:a16="http://schemas.microsoft.com/office/drawing/2014/main" id="{D37C4203-E5CA-E6CA-FC1A-559DDD219E9B}"/>
               </a:ext>
             </a:extLst>
           </p:cNvPr>
@@ -306,7 +306,7 @@
           <a:bodyPr/>
           <a:lstStyle/>
           <a:p>
-            <a:fld id="{222D2A2C-C437-4712-845D-F02769B17D27}" type="slidenum">
+            <a:fld id="{51E81332-3616-418F-808E-DBCF9FA63125}" type="slidenum">
               <a:rPr lang="zh-CN" altLang="en-US" smtClean="0"/>
               <a:t>‹#›</a:t>
             </a:fld>
@@ -317,7 +317,7 @@
     </p:spTree>
     <p:extLst>
       <p:ext uri="{BB962C8B-B14F-4D97-AF65-F5344CB8AC3E}">
-        <p14:creationId xmlns:p14="http://schemas.microsoft.com/office/powerpoint/2010/main" val="645552998"/>
+        <p14:creationId xmlns:p14="http://schemas.microsoft.com/office/powerpoint/2010/main" val="1646820639"/>
       </p:ext>
     </p:extLst>
   </p:cSld>
@@ -349,7 +349,7 @@
           <p:cNvPr id="2" name="标题 1">
             <a:extLst>
               <a:ext uri="{FF2B5EF4-FFF2-40B4-BE49-F238E27FC236}">
-                <a16:creationId xmlns:a16="http://schemas.microsoft.com/office/drawing/2014/main" id="{E77C9C68-5B59-985E-990D-3C337D7DDE9D}"/>
+                <a16:creationId xmlns:a16="http://schemas.microsoft.com/office/drawing/2014/main" id="{BC3E5032-FA8D-914E-206D-C6DEEA628FB9}"/>
               </a:ext>
             </a:extLst>
           </p:cNvPr>
@@ -377,7 +377,7 @@
           <p:cNvPr id="3" name="竖排文字占位符 2">
             <a:extLst>
               <a:ext uri="{FF2B5EF4-FFF2-40B4-BE49-F238E27FC236}">
-                <a16:creationId xmlns:a16="http://schemas.microsoft.com/office/drawing/2014/main" id="{891E5277-CE8A-153B-FC3C-49972F9899E1}"/>
+                <a16:creationId xmlns:a16="http://schemas.microsoft.com/office/drawing/2014/main" id="{9DC05F55-1B19-A6BD-402F-4019A26F7841}"/>
               </a:ext>
             </a:extLst>
           </p:cNvPr>
@@ -434,7 +434,7 @@
           <p:cNvPr id="4" name="日期占位符 3">
             <a:extLst>
               <a:ext uri="{FF2B5EF4-FFF2-40B4-BE49-F238E27FC236}">
-                <a16:creationId xmlns:a16="http://schemas.microsoft.com/office/drawing/2014/main" id="{B1C38189-95A6-16F4-0499-75B0B4DCD0D4}"/>
+                <a16:creationId xmlns:a16="http://schemas.microsoft.com/office/drawing/2014/main" id="{7A312A30-754E-9536-D323-957985E541BB}"/>
               </a:ext>
             </a:extLst>
           </p:cNvPr>
@@ -450,7 +450,7 @@
           <a:bodyPr/>
           <a:lstStyle/>
           <a:p>
-            <a:fld id="{18D42B14-2BF2-4DEB-BE6D-3455FD07ADA2}" type="datetimeFigureOut">
+            <a:fld id="{EEA0F9A1-8AFE-4FC2-AF72-5F60008C0567}" type="datetimeFigureOut">
               <a:rPr lang="zh-CN" altLang="en-US" smtClean="0"/>
               <a:t>2024/3/10</a:t>
             </a:fld>
@@ -463,7 +463,7 @@
           <p:cNvPr id="5" name="页脚占位符 4">
             <a:extLst>
               <a:ext uri="{FF2B5EF4-FFF2-40B4-BE49-F238E27FC236}">
-                <a16:creationId xmlns:a16="http://schemas.microsoft.com/office/drawing/2014/main" id="{DC9F7889-FDC6-8FF7-FA5D-6A1F0A77774C}"/>
+                <a16:creationId xmlns:a16="http://schemas.microsoft.com/office/drawing/2014/main" id="{0BEEB0AB-004A-B5EA-D7B3-3429F8EC49A5}"/>
               </a:ext>
             </a:extLst>
           </p:cNvPr>
@@ -488,7 +488,7 @@
           <p:cNvPr id="6" name="灯片编号占位符 5">
             <a:extLst>
               <a:ext uri="{FF2B5EF4-FFF2-40B4-BE49-F238E27FC236}">
-                <a16:creationId xmlns:a16="http://schemas.microsoft.com/office/drawing/2014/main" id="{859E14C5-1778-D9AC-5FFB-DD18519FFD0E}"/>
+                <a16:creationId xmlns:a16="http://schemas.microsoft.com/office/drawing/2014/main" id="{50598B8A-50C3-DCE1-0E60-997BA785FCEC}"/>
               </a:ext>
             </a:extLst>
           </p:cNvPr>
@@ -504,7 +504,7 @@
           <a:bodyPr/>
           <a:lstStyle/>
           <a:p>
-            <a:fld id="{222D2A2C-C437-4712-845D-F02769B17D27}" type="slidenum">
+            <a:fld id="{51E81332-3616-418F-808E-DBCF9FA63125}" type="slidenum">
               <a:rPr lang="zh-CN" altLang="en-US" smtClean="0"/>
               <a:t>‹#›</a:t>
             </a:fld>
@@ -515,7 +515,7 @@
     </p:spTree>
     <p:extLst>
       <p:ext uri="{BB962C8B-B14F-4D97-AF65-F5344CB8AC3E}">
-        <p14:creationId xmlns:p14="http://schemas.microsoft.com/office/powerpoint/2010/main" val="2300864076"/>
+        <p14:creationId xmlns:p14="http://schemas.microsoft.com/office/powerpoint/2010/main" val="406749522"/>
       </p:ext>
     </p:extLst>
   </p:cSld>
@@ -547,7 +547,7 @@
           <p:cNvPr id="2" name="竖排标题 1">
             <a:extLst>
               <a:ext uri="{FF2B5EF4-FFF2-40B4-BE49-F238E27FC236}">
-                <a16:creationId xmlns:a16="http://schemas.microsoft.com/office/drawing/2014/main" id="{B512749F-8D19-6EEF-57FA-A09FDA782897}"/>
+                <a16:creationId xmlns:a16="http://schemas.microsoft.com/office/drawing/2014/main" id="{369252ED-EEF4-EDCF-D5BE-1D03B3C334AD}"/>
               </a:ext>
             </a:extLst>
           </p:cNvPr>
@@ -580,7 +580,7 @@
           <p:cNvPr id="3" name="竖排文字占位符 2">
             <a:extLst>
               <a:ext uri="{FF2B5EF4-FFF2-40B4-BE49-F238E27FC236}">
-                <a16:creationId xmlns:a16="http://schemas.microsoft.com/office/drawing/2014/main" id="{C38F29C9-21A7-A714-24F7-A4894805E22A}"/>
+                <a16:creationId xmlns:a16="http://schemas.microsoft.com/office/drawing/2014/main" id="{0640D5D9-1298-BA29-DB4C-640AE4C40809}"/>
               </a:ext>
             </a:extLst>
           </p:cNvPr>
@@ -642,7 +642,7 @@
           <p:cNvPr id="4" name="日期占位符 3">
             <a:extLst>
               <a:ext uri="{FF2B5EF4-FFF2-40B4-BE49-F238E27FC236}">
-                <a16:creationId xmlns:a16="http://schemas.microsoft.com/office/drawing/2014/main" id="{04A1593B-A7F7-E58D-752D-1973388733D6}"/>
+                <a16:creationId xmlns:a16="http://schemas.microsoft.com/office/drawing/2014/main" id="{2A14A1C9-DC6A-56D4-2343-023E28968CEE}"/>
               </a:ext>
             </a:extLst>
           </p:cNvPr>
@@ -658,7 +658,7 @@
           <a:bodyPr/>
           <a:lstStyle/>
           <a:p>
-            <a:fld id="{18D42B14-2BF2-4DEB-BE6D-3455FD07ADA2}" type="datetimeFigureOut">
+            <a:fld id="{EEA0F9A1-8AFE-4FC2-AF72-5F60008C0567}" type="datetimeFigureOut">
               <a:rPr lang="zh-CN" altLang="en-US" smtClean="0"/>
               <a:t>2024/3/10</a:t>
             </a:fld>
@@ -671,7 +671,7 @@
           <p:cNvPr id="5" name="页脚占位符 4">
             <a:extLst>
               <a:ext uri="{FF2B5EF4-FFF2-40B4-BE49-F238E27FC236}">
-                <a16:creationId xmlns:a16="http://schemas.microsoft.com/office/drawing/2014/main" id="{AFECC730-22B3-556A-14FD-0685A50EE5F0}"/>
+                <a16:creationId xmlns:a16="http://schemas.microsoft.com/office/drawing/2014/main" id="{C279227A-F331-36A1-AA11-A9242AB774E0}"/>
               </a:ext>
             </a:extLst>
           </p:cNvPr>
@@ -696,7 +696,7 @@
           <p:cNvPr id="6" name="灯片编号占位符 5">
             <a:extLst>
               <a:ext uri="{FF2B5EF4-FFF2-40B4-BE49-F238E27FC236}">
-                <a16:creationId xmlns:a16="http://schemas.microsoft.com/office/drawing/2014/main" id="{F91AF3C1-48CD-B9B3-3E82-17CF7CAA2522}"/>
+                <a16:creationId xmlns:a16="http://schemas.microsoft.com/office/drawing/2014/main" id="{F3C32E66-7898-83EC-897D-BA1A8FACD89A}"/>
               </a:ext>
             </a:extLst>
           </p:cNvPr>
@@ -712,7 +712,7 @@
           <a:bodyPr/>
           <a:lstStyle/>
           <a:p>
-            <a:fld id="{222D2A2C-C437-4712-845D-F02769B17D27}" type="slidenum">
+            <a:fld id="{51E81332-3616-418F-808E-DBCF9FA63125}" type="slidenum">
               <a:rPr lang="zh-CN" altLang="en-US" smtClean="0"/>
               <a:t>‹#›</a:t>
             </a:fld>
@@ -723,7 +723,7 @@
     </p:spTree>
     <p:extLst>
       <p:ext uri="{BB962C8B-B14F-4D97-AF65-F5344CB8AC3E}">
-        <p14:creationId xmlns:p14="http://schemas.microsoft.com/office/powerpoint/2010/main" val="2878660936"/>
+        <p14:creationId xmlns:p14="http://schemas.microsoft.com/office/powerpoint/2010/main" val="2587653950"/>
       </p:ext>
     </p:extLst>
   </p:cSld>
@@ -755,7 +755,7 @@
           <p:cNvPr id="2" name="标题 1">
             <a:extLst>
               <a:ext uri="{FF2B5EF4-FFF2-40B4-BE49-F238E27FC236}">
-                <a16:creationId xmlns:a16="http://schemas.microsoft.com/office/drawing/2014/main" id="{1D339D80-D48C-8884-CDEE-F28DE9EAA80F}"/>
+                <a16:creationId xmlns:a16="http://schemas.microsoft.com/office/drawing/2014/main" id="{8FFE6434-374B-3A54-D2F4-5CEC305AB03E}"/>
               </a:ext>
             </a:extLst>
           </p:cNvPr>
@@ -783,7 +783,7 @@
           <p:cNvPr id="3" name="内容占位符 2">
             <a:extLst>
               <a:ext uri="{FF2B5EF4-FFF2-40B4-BE49-F238E27FC236}">
-                <a16:creationId xmlns:a16="http://schemas.microsoft.com/office/drawing/2014/main" id="{01AEAEE3-D3AA-CECE-428C-1857FCBFA0AC}"/>
+                <a16:creationId xmlns:a16="http://schemas.microsoft.com/office/drawing/2014/main" id="{FDD1D914-AA3E-5817-8781-E5E5D3D90ECD}"/>
               </a:ext>
             </a:extLst>
           </p:cNvPr>
@@ -840,7 +840,7 @@
           <p:cNvPr id="4" name="日期占位符 3">
             <a:extLst>
               <a:ext uri="{FF2B5EF4-FFF2-40B4-BE49-F238E27FC236}">
-                <a16:creationId xmlns:a16="http://schemas.microsoft.com/office/drawing/2014/main" id="{DC0865F5-4A52-9AC8-779C-E9550243D57F}"/>
+                <a16:creationId xmlns:a16="http://schemas.microsoft.com/office/drawing/2014/main" id="{172853FB-019F-8E4A-A863-F40770994943}"/>
               </a:ext>
             </a:extLst>
           </p:cNvPr>
@@ -856,7 +856,7 @@
           <a:bodyPr/>
           <a:lstStyle/>
           <a:p>
-            <a:fld id="{18D42B14-2BF2-4DEB-BE6D-3455FD07ADA2}" type="datetimeFigureOut">
+            <a:fld id="{EEA0F9A1-8AFE-4FC2-AF72-5F60008C0567}" type="datetimeFigureOut">
               <a:rPr lang="zh-CN" altLang="en-US" smtClean="0"/>
               <a:t>2024/3/10</a:t>
             </a:fld>
@@ -869,7 +869,7 @@
           <p:cNvPr id="5" name="页脚占位符 4">
             <a:extLst>
               <a:ext uri="{FF2B5EF4-FFF2-40B4-BE49-F238E27FC236}">
-                <a16:creationId xmlns:a16="http://schemas.microsoft.com/office/drawing/2014/main" id="{1CE6E28A-35CF-ED3E-F7D3-9DC71D2DE0A0}"/>
+                <a16:creationId xmlns:a16="http://schemas.microsoft.com/office/drawing/2014/main" id="{D9D564E0-071A-FBD2-ED33-E4442A712234}"/>
               </a:ext>
             </a:extLst>
           </p:cNvPr>
@@ -894,7 +894,7 @@
           <p:cNvPr id="6" name="灯片编号占位符 5">
             <a:extLst>
               <a:ext uri="{FF2B5EF4-FFF2-40B4-BE49-F238E27FC236}">
-                <a16:creationId xmlns:a16="http://schemas.microsoft.com/office/drawing/2014/main" id="{32072C4C-2E2C-3FA7-A165-04090E58275B}"/>
+                <a16:creationId xmlns:a16="http://schemas.microsoft.com/office/drawing/2014/main" id="{C1D679FA-A5E2-919E-C04D-4A4456AEF846}"/>
               </a:ext>
             </a:extLst>
           </p:cNvPr>
@@ -910,7 +910,7 @@
           <a:bodyPr/>
           <a:lstStyle/>
           <a:p>
-            <a:fld id="{222D2A2C-C437-4712-845D-F02769B17D27}" type="slidenum">
+            <a:fld id="{51E81332-3616-418F-808E-DBCF9FA63125}" type="slidenum">
               <a:rPr lang="zh-CN" altLang="en-US" smtClean="0"/>
               <a:t>‹#›</a:t>
             </a:fld>
@@ -921,7 +921,7 @@
     </p:spTree>
     <p:extLst>
       <p:ext uri="{BB962C8B-B14F-4D97-AF65-F5344CB8AC3E}">
-        <p14:creationId xmlns:p14="http://schemas.microsoft.com/office/powerpoint/2010/main" val="2570630424"/>
+        <p14:creationId xmlns:p14="http://schemas.microsoft.com/office/powerpoint/2010/main" val="1157178100"/>
       </p:ext>
     </p:extLst>
   </p:cSld>
@@ -953,7 +953,7 @@
           <p:cNvPr id="2" name="标题 1">
             <a:extLst>
               <a:ext uri="{FF2B5EF4-FFF2-40B4-BE49-F238E27FC236}">
-                <a16:creationId xmlns:a16="http://schemas.microsoft.com/office/drawing/2014/main" id="{81FD2808-A65F-1547-CA0A-624DBDB709A9}"/>
+                <a16:creationId xmlns:a16="http://schemas.microsoft.com/office/drawing/2014/main" id="{638D1C10-7144-02B9-6AB6-2693FCC130C3}"/>
               </a:ext>
             </a:extLst>
           </p:cNvPr>
@@ -990,7 +990,7 @@
           <p:cNvPr id="3" name="文本占位符 2">
             <a:extLst>
               <a:ext uri="{FF2B5EF4-FFF2-40B4-BE49-F238E27FC236}">
-                <a16:creationId xmlns:a16="http://schemas.microsoft.com/office/drawing/2014/main" id="{DFAC95B5-9BBD-05DD-926E-0EC62346E04E}"/>
+                <a16:creationId xmlns:a16="http://schemas.microsoft.com/office/drawing/2014/main" id="{331A382F-D246-02F2-ED2B-9B4742F4655E}"/>
               </a:ext>
             </a:extLst>
           </p:cNvPr>
@@ -1115,7 +1115,7 @@
           <p:cNvPr id="4" name="日期占位符 3">
             <a:extLst>
               <a:ext uri="{FF2B5EF4-FFF2-40B4-BE49-F238E27FC236}">
-                <a16:creationId xmlns:a16="http://schemas.microsoft.com/office/drawing/2014/main" id="{EAEF4373-3F2A-566B-A6A7-BD1C1367E678}"/>
+                <a16:creationId xmlns:a16="http://schemas.microsoft.com/office/drawing/2014/main" id="{EC73636D-E691-F4FD-72C3-3ECE40C26B2E}"/>
               </a:ext>
             </a:extLst>
           </p:cNvPr>
@@ -1131,7 +1131,7 @@
           <a:bodyPr/>
           <a:lstStyle/>
           <a:p>
-            <a:fld id="{18D42B14-2BF2-4DEB-BE6D-3455FD07ADA2}" type="datetimeFigureOut">
+            <a:fld id="{EEA0F9A1-8AFE-4FC2-AF72-5F60008C0567}" type="datetimeFigureOut">
               <a:rPr lang="zh-CN" altLang="en-US" smtClean="0"/>
               <a:t>2024/3/10</a:t>
             </a:fld>
@@ -1144,7 +1144,7 @@
           <p:cNvPr id="5" name="页脚占位符 4">
             <a:extLst>
               <a:ext uri="{FF2B5EF4-FFF2-40B4-BE49-F238E27FC236}">
-                <a16:creationId xmlns:a16="http://schemas.microsoft.com/office/drawing/2014/main" id="{C610075E-43FC-3D73-945F-8E02560463F8}"/>
+                <a16:creationId xmlns:a16="http://schemas.microsoft.com/office/drawing/2014/main" id="{6708FFB4-F086-D136-B3C4-C9B068A9FC61}"/>
               </a:ext>
             </a:extLst>
           </p:cNvPr>
@@ -1169,7 +1169,7 @@
           <p:cNvPr id="6" name="灯片编号占位符 5">
             <a:extLst>
               <a:ext uri="{FF2B5EF4-FFF2-40B4-BE49-F238E27FC236}">
-                <a16:creationId xmlns:a16="http://schemas.microsoft.com/office/drawing/2014/main" id="{B2D8AA14-914A-6A04-7950-C8E66A887E7E}"/>
+                <a16:creationId xmlns:a16="http://schemas.microsoft.com/office/drawing/2014/main" id="{FAD5A2DE-552E-797B-77B6-73CE7275C2CC}"/>
               </a:ext>
             </a:extLst>
           </p:cNvPr>
@@ -1185,7 +1185,7 @@
           <a:bodyPr/>
           <a:lstStyle/>
           <a:p>
-            <a:fld id="{222D2A2C-C437-4712-845D-F02769B17D27}" type="slidenum">
+            <a:fld id="{51E81332-3616-418F-808E-DBCF9FA63125}" type="slidenum">
               <a:rPr lang="zh-CN" altLang="en-US" smtClean="0"/>
               <a:t>‹#›</a:t>
             </a:fld>
@@ -1196,7 +1196,7 @@
     </p:spTree>
     <p:extLst>
       <p:ext uri="{BB962C8B-B14F-4D97-AF65-F5344CB8AC3E}">
-        <p14:creationId xmlns:p14="http://schemas.microsoft.com/office/powerpoint/2010/main" val="4271476079"/>
+        <p14:creationId xmlns:p14="http://schemas.microsoft.com/office/powerpoint/2010/main" val="625053368"/>
       </p:ext>
     </p:extLst>
   </p:cSld>
@@ -1228,7 +1228,7 @@
           <p:cNvPr id="2" name="标题 1">
             <a:extLst>
               <a:ext uri="{FF2B5EF4-FFF2-40B4-BE49-F238E27FC236}">
-                <a16:creationId xmlns:a16="http://schemas.microsoft.com/office/drawing/2014/main" id="{2C22826D-03EA-E4A7-A146-BAF4FE6DA9AC}"/>
+                <a16:creationId xmlns:a16="http://schemas.microsoft.com/office/drawing/2014/main" id="{30C5ADD0-ADC4-954A-7277-0402BC096DA1}"/>
               </a:ext>
             </a:extLst>
           </p:cNvPr>
@@ -1256,7 +1256,7 @@
           <p:cNvPr id="3" name="内容占位符 2">
             <a:extLst>
               <a:ext uri="{FF2B5EF4-FFF2-40B4-BE49-F238E27FC236}">
-                <a16:creationId xmlns:a16="http://schemas.microsoft.com/office/drawing/2014/main" id="{C363157D-C35A-A512-B80D-7D4ADFCB2839}"/>
+                <a16:creationId xmlns:a16="http://schemas.microsoft.com/office/drawing/2014/main" id="{00872142-652B-17FC-9BAB-F2899C974252}"/>
               </a:ext>
             </a:extLst>
           </p:cNvPr>
@@ -1318,7 +1318,7 @@
           <p:cNvPr id="4" name="内容占位符 3">
             <a:extLst>
               <a:ext uri="{FF2B5EF4-FFF2-40B4-BE49-F238E27FC236}">
-                <a16:creationId xmlns:a16="http://schemas.microsoft.com/office/drawing/2014/main" id="{277298AA-8ED4-07AD-BB85-F7D235AA632A}"/>
+                <a16:creationId xmlns:a16="http://schemas.microsoft.com/office/drawing/2014/main" id="{8EA0A713-B44A-220E-A90B-F41783E19AFD}"/>
               </a:ext>
             </a:extLst>
           </p:cNvPr>
@@ -1380,7 +1380,7 @@
           <p:cNvPr id="5" name="日期占位符 4">
             <a:extLst>
               <a:ext uri="{FF2B5EF4-FFF2-40B4-BE49-F238E27FC236}">
-                <a16:creationId xmlns:a16="http://schemas.microsoft.com/office/drawing/2014/main" id="{D79FD6A3-8A16-7667-A28F-E2C577F79EBA}"/>
+                <a16:creationId xmlns:a16="http://schemas.microsoft.com/office/drawing/2014/main" id="{AFF3C36C-FE11-D8BE-F05F-6AD67BBD9BAB}"/>
               </a:ext>
             </a:extLst>
           </p:cNvPr>
@@ -1396,7 +1396,7 @@
           <a:bodyPr/>
           <a:lstStyle/>
           <a:p>
-            <a:fld id="{18D42B14-2BF2-4DEB-BE6D-3455FD07ADA2}" type="datetimeFigureOut">
+            <a:fld id="{EEA0F9A1-8AFE-4FC2-AF72-5F60008C0567}" type="datetimeFigureOut">
               <a:rPr lang="zh-CN" altLang="en-US" smtClean="0"/>
               <a:t>2024/3/10</a:t>
             </a:fld>
@@ -1409,7 +1409,7 @@
           <p:cNvPr id="6" name="页脚占位符 5">
             <a:extLst>
               <a:ext uri="{FF2B5EF4-FFF2-40B4-BE49-F238E27FC236}">
-                <a16:creationId xmlns:a16="http://schemas.microsoft.com/office/drawing/2014/main" id="{3DEB0C95-2282-BF55-C841-B38C56D84316}"/>
+                <a16:creationId xmlns:a16="http://schemas.microsoft.com/office/drawing/2014/main" id="{DCB93CF3-A421-3C71-75D7-C90173745F92}"/>
               </a:ext>
             </a:extLst>
           </p:cNvPr>
@@ -1434,7 +1434,7 @@
           <p:cNvPr id="7" name="灯片编号占位符 6">
             <a:extLst>
               <a:ext uri="{FF2B5EF4-FFF2-40B4-BE49-F238E27FC236}">
-                <a16:creationId xmlns:a16="http://schemas.microsoft.com/office/drawing/2014/main" id="{8A9B82AB-4F60-8640-E10B-40BC8C3AC612}"/>
+                <a16:creationId xmlns:a16="http://schemas.microsoft.com/office/drawing/2014/main" id="{337A5F68-14E3-CCDE-490E-134B19332788}"/>
               </a:ext>
             </a:extLst>
           </p:cNvPr>
@@ -1450,7 +1450,7 @@
           <a:bodyPr/>
           <a:lstStyle/>
           <a:p>
-            <a:fld id="{222D2A2C-C437-4712-845D-F02769B17D27}" type="slidenum">
+            <a:fld id="{51E81332-3616-418F-808E-DBCF9FA63125}" type="slidenum">
               <a:rPr lang="zh-CN" altLang="en-US" smtClean="0"/>
               <a:t>‹#›</a:t>
             </a:fld>
@@ -1461,7 +1461,7 @@
     </p:spTree>
     <p:extLst>
       <p:ext uri="{BB962C8B-B14F-4D97-AF65-F5344CB8AC3E}">
-        <p14:creationId xmlns:p14="http://schemas.microsoft.com/office/powerpoint/2010/main" val="3122405916"/>
+        <p14:creationId xmlns:p14="http://schemas.microsoft.com/office/powerpoint/2010/main" val="2567177948"/>
       </p:ext>
     </p:extLst>
   </p:cSld>
@@ -1493,7 +1493,7 @@
           <p:cNvPr id="2" name="标题 1">
             <a:extLst>
               <a:ext uri="{FF2B5EF4-FFF2-40B4-BE49-F238E27FC236}">
-                <a16:creationId xmlns:a16="http://schemas.microsoft.com/office/drawing/2014/main" id="{629F19EA-4447-F7F3-F7FE-594994090AD5}"/>
+                <a16:creationId xmlns:a16="http://schemas.microsoft.com/office/drawing/2014/main" id="{3F701F58-8C92-0DA2-7D40-C524039BA6CB}"/>
               </a:ext>
             </a:extLst>
           </p:cNvPr>
@@ -1526,7 +1526,7 @@
           <p:cNvPr id="3" name="文本占位符 2">
             <a:extLst>
               <a:ext uri="{FF2B5EF4-FFF2-40B4-BE49-F238E27FC236}">
-                <a16:creationId xmlns:a16="http://schemas.microsoft.com/office/drawing/2014/main" id="{6DD37154-1A2A-E9AF-F82E-3E6B8B419DEA}"/>
+                <a16:creationId xmlns:a16="http://schemas.microsoft.com/office/drawing/2014/main" id="{CC821C91-6DB7-1272-52BE-FF084D0182A6}"/>
               </a:ext>
             </a:extLst>
           </p:cNvPr>
@@ -1597,7 +1597,7 @@
           <p:cNvPr id="4" name="内容占位符 3">
             <a:extLst>
               <a:ext uri="{FF2B5EF4-FFF2-40B4-BE49-F238E27FC236}">
-                <a16:creationId xmlns:a16="http://schemas.microsoft.com/office/drawing/2014/main" id="{779E3364-4CAD-6938-1851-14A689934D34}"/>
+                <a16:creationId xmlns:a16="http://schemas.microsoft.com/office/drawing/2014/main" id="{DEC8D420-1216-6459-90AF-FA1CA87BB44C}"/>
               </a:ext>
             </a:extLst>
           </p:cNvPr>
@@ -1659,7 +1659,7 @@
           <p:cNvPr id="5" name="文本占位符 4">
             <a:extLst>
               <a:ext uri="{FF2B5EF4-FFF2-40B4-BE49-F238E27FC236}">
-                <a16:creationId xmlns:a16="http://schemas.microsoft.com/office/drawing/2014/main" id="{68613041-21A2-CEDA-07AC-7B28B908327C}"/>
+                <a16:creationId xmlns:a16="http://schemas.microsoft.com/office/drawing/2014/main" id="{3ED3D966-5322-5504-1B38-580CDC53AFD9}"/>
               </a:ext>
             </a:extLst>
           </p:cNvPr>
@@ -1730,7 +1730,7 @@
           <p:cNvPr id="6" name="内容占位符 5">
             <a:extLst>
               <a:ext uri="{FF2B5EF4-FFF2-40B4-BE49-F238E27FC236}">
-                <a16:creationId xmlns:a16="http://schemas.microsoft.com/office/drawing/2014/main" id="{B0780561-0C8E-4AFF-81E4-8832EAF6A644}"/>
+                <a16:creationId xmlns:a16="http://schemas.microsoft.com/office/drawing/2014/main" id="{23550F14-824B-3578-D7E5-2C3AA5F103E6}"/>
               </a:ext>
             </a:extLst>
           </p:cNvPr>
@@ -1792,7 +1792,7 @@
           <p:cNvPr id="7" name="日期占位符 6">
             <a:extLst>
               <a:ext uri="{FF2B5EF4-FFF2-40B4-BE49-F238E27FC236}">
-                <a16:creationId xmlns:a16="http://schemas.microsoft.com/office/drawing/2014/main" id="{3470ABF6-1CA3-0EF1-047C-B5E0AEDC690A}"/>
+                <a16:creationId xmlns:a16="http://schemas.microsoft.com/office/drawing/2014/main" id="{029197FA-25AB-5A45-4B6C-205990F7A9E2}"/>
               </a:ext>
             </a:extLst>
           </p:cNvPr>
@@ -1808,7 +1808,7 @@
           <a:bodyPr/>
           <a:lstStyle/>
           <a:p>
-            <a:fld id="{18D42B14-2BF2-4DEB-BE6D-3455FD07ADA2}" type="datetimeFigureOut">
+            <a:fld id="{EEA0F9A1-8AFE-4FC2-AF72-5F60008C0567}" type="datetimeFigureOut">
               <a:rPr lang="zh-CN" altLang="en-US" smtClean="0"/>
               <a:t>2024/3/10</a:t>
             </a:fld>
@@ -1821,7 +1821,7 @@
           <p:cNvPr id="8" name="页脚占位符 7">
             <a:extLst>
               <a:ext uri="{FF2B5EF4-FFF2-40B4-BE49-F238E27FC236}">
-                <a16:creationId xmlns:a16="http://schemas.microsoft.com/office/drawing/2014/main" id="{4967A66E-4C6A-1E21-8862-80CE07A06B19}"/>
+                <a16:creationId xmlns:a16="http://schemas.microsoft.com/office/drawing/2014/main" id="{A21CFB17-B05A-44FF-B809-5A1686407F42}"/>
               </a:ext>
             </a:extLst>
           </p:cNvPr>
@@ -1846,7 +1846,7 @@
           <p:cNvPr id="9" name="灯片编号占位符 8">
             <a:extLst>
               <a:ext uri="{FF2B5EF4-FFF2-40B4-BE49-F238E27FC236}">
-                <a16:creationId xmlns:a16="http://schemas.microsoft.com/office/drawing/2014/main" id="{4C970A72-EFEC-A420-2DAA-FF55D7B05171}"/>
+                <a16:creationId xmlns:a16="http://schemas.microsoft.com/office/drawing/2014/main" id="{83E51F37-6408-BAA0-CEA3-F5735DA851E4}"/>
               </a:ext>
             </a:extLst>
           </p:cNvPr>
@@ -1862,7 +1862,7 @@
           <a:bodyPr/>
           <a:lstStyle/>
           <a:p>
-            <a:fld id="{222D2A2C-C437-4712-845D-F02769B17D27}" type="slidenum">
+            <a:fld id="{51E81332-3616-418F-808E-DBCF9FA63125}" type="slidenum">
               <a:rPr lang="zh-CN" altLang="en-US" smtClean="0"/>
               <a:t>‹#›</a:t>
             </a:fld>
@@ -1873,7 +1873,7 @@
     </p:spTree>
     <p:extLst>
       <p:ext uri="{BB962C8B-B14F-4D97-AF65-F5344CB8AC3E}">
-        <p14:creationId xmlns:p14="http://schemas.microsoft.com/office/powerpoint/2010/main" val="234670955"/>
+        <p14:creationId xmlns:p14="http://schemas.microsoft.com/office/powerpoint/2010/main" val="4024014"/>
       </p:ext>
     </p:extLst>
   </p:cSld>
@@ -1905,7 +1905,7 @@
           <p:cNvPr id="2" name="标题 1">
             <a:extLst>
               <a:ext uri="{FF2B5EF4-FFF2-40B4-BE49-F238E27FC236}">
-                <a16:creationId xmlns:a16="http://schemas.microsoft.com/office/drawing/2014/main" id="{9DB54262-FB6D-D4ED-10CD-27E7FE4C86E6}"/>
+                <a16:creationId xmlns:a16="http://schemas.microsoft.com/office/drawing/2014/main" id="{63538F51-5B04-EC95-F1B0-16BC548583ED}"/>
               </a:ext>
             </a:extLst>
           </p:cNvPr>
@@ -1933,7 +1933,7 @@
           <p:cNvPr id="3" name="日期占位符 2">
             <a:extLst>
               <a:ext uri="{FF2B5EF4-FFF2-40B4-BE49-F238E27FC236}">
-                <a16:creationId xmlns:a16="http://schemas.microsoft.com/office/drawing/2014/main" id="{8DF1EABB-0DCB-BDCC-5D8F-EAF8C0E54175}"/>
+                <a16:creationId xmlns:a16="http://schemas.microsoft.com/office/drawing/2014/main" id="{E23EECA9-39C3-6B3D-EDAF-C2801C1A9C80}"/>
               </a:ext>
             </a:extLst>
           </p:cNvPr>
@@ -1949,7 +1949,7 @@
           <a:bodyPr/>
           <a:lstStyle/>
           <a:p>
-            <a:fld id="{18D42B14-2BF2-4DEB-BE6D-3455FD07ADA2}" type="datetimeFigureOut">
+            <a:fld id="{EEA0F9A1-8AFE-4FC2-AF72-5F60008C0567}" type="datetimeFigureOut">
               <a:rPr lang="zh-CN" altLang="en-US" smtClean="0"/>
               <a:t>2024/3/10</a:t>
             </a:fld>
@@ -1962,7 +1962,7 @@
           <p:cNvPr id="4" name="页脚占位符 3">
             <a:extLst>
               <a:ext uri="{FF2B5EF4-FFF2-40B4-BE49-F238E27FC236}">
-                <a16:creationId xmlns:a16="http://schemas.microsoft.com/office/drawing/2014/main" id="{EF611ACD-26C7-CC0C-48E9-14B9F84EBA66}"/>
+                <a16:creationId xmlns:a16="http://schemas.microsoft.com/office/drawing/2014/main" id="{68572C73-9B1B-EF1C-C887-3F20AEAB9626}"/>
               </a:ext>
             </a:extLst>
           </p:cNvPr>
@@ -1987,7 +1987,7 @@
           <p:cNvPr id="5" name="灯片编号占位符 4">
             <a:extLst>
               <a:ext uri="{FF2B5EF4-FFF2-40B4-BE49-F238E27FC236}">
-                <a16:creationId xmlns:a16="http://schemas.microsoft.com/office/drawing/2014/main" id="{AF9B944B-A74F-1DF6-4F4D-FD207124C839}"/>
+                <a16:creationId xmlns:a16="http://schemas.microsoft.com/office/drawing/2014/main" id="{FFEDB6BA-ACAF-76D8-5885-45D7ED23578C}"/>
               </a:ext>
             </a:extLst>
           </p:cNvPr>
@@ -2003,7 +2003,7 @@
           <a:bodyPr/>
           <a:lstStyle/>
           <a:p>
-            <a:fld id="{222D2A2C-C437-4712-845D-F02769B17D27}" type="slidenum">
+            <a:fld id="{51E81332-3616-418F-808E-DBCF9FA63125}" type="slidenum">
               <a:rPr lang="zh-CN" altLang="en-US" smtClean="0"/>
               <a:t>‹#›</a:t>
             </a:fld>
@@ -2014,7 +2014,7 @@
     </p:spTree>
     <p:extLst>
       <p:ext uri="{BB962C8B-B14F-4D97-AF65-F5344CB8AC3E}">
-        <p14:creationId xmlns:p14="http://schemas.microsoft.com/office/powerpoint/2010/main" val="1498613228"/>
+        <p14:creationId xmlns:p14="http://schemas.microsoft.com/office/powerpoint/2010/main" val="2265136062"/>
       </p:ext>
     </p:extLst>
   </p:cSld>
@@ -2046,7 +2046,7 @@
           <p:cNvPr id="2" name="日期占位符 1">
             <a:extLst>
               <a:ext uri="{FF2B5EF4-FFF2-40B4-BE49-F238E27FC236}">
-                <a16:creationId xmlns:a16="http://schemas.microsoft.com/office/drawing/2014/main" id="{FD87D240-FA2D-7A71-EDD5-612DE692E972}"/>
+                <a16:creationId xmlns:a16="http://schemas.microsoft.com/office/drawing/2014/main" id="{B8C37CD1-861C-AEE1-1FD2-F5B1AA664D4A}"/>
               </a:ext>
             </a:extLst>
           </p:cNvPr>
@@ -2062,7 +2062,7 @@
           <a:bodyPr/>
           <a:lstStyle/>
           <a:p>
-            <a:fld id="{18D42B14-2BF2-4DEB-BE6D-3455FD07ADA2}" type="datetimeFigureOut">
+            <a:fld id="{EEA0F9A1-8AFE-4FC2-AF72-5F60008C0567}" type="datetimeFigureOut">
               <a:rPr lang="zh-CN" altLang="en-US" smtClean="0"/>
               <a:t>2024/3/10</a:t>
             </a:fld>
@@ -2075,7 +2075,7 @@
           <p:cNvPr id="3" name="页脚占位符 2">
             <a:extLst>
               <a:ext uri="{FF2B5EF4-FFF2-40B4-BE49-F238E27FC236}">
-                <a16:creationId xmlns:a16="http://schemas.microsoft.com/office/drawing/2014/main" id="{7DC94854-5BE1-C679-5467-4B27617A1AAF}"/>
+                <a16:creationId xmlns:a16="http://schemas.microsoft.com/office/drawing/2014/main" id="{D32F4ACD-1F7A-0289-C25D-8E3D4E9A6321}"/>
               </a:ext>
             </a:extLst>
           </p:cNvPr>
@@ -2100,7 +2100,7 @@
           <p:cNvPr id="4" name="灯片编号占位符 3">
             <a:extLst>
               <a:ext uri="{FF2B5EF4-FFF2-40B4-BE49-F238E27FC236}">
-                <a16:creationId xmlns:a16="http://schemas.microsoft.com/office/drawing/2014/main" id="{7DEEA48C-0F23-AB40-747B-61A37E0838C0}"/>
+                <a16:creationId xmlns:a16="http://schemas.microsoft.com/office/drawing/2014/main" id="{8E577FDA-235C-08A6-9EF4-731C1AB88863}"/>
               </a:ext>
             </a:extLst>
           </p:cNvPr>
@@ -2116,7 +2116,7 @@
           <a:bodyPr/>
           <a:lstStyle/>
           <a:p>
-            <a:fld id="{222D2A2C-C437-4712-845D-F02769B17D27}" type="slidenum">
+            <a:fld id="{51E81332-3616-418F-808E-DBCF9FA63125}" type="slidenum">
               <a:rPr lang="zh-CN" altLang="en-US" smtClean="0"/>
               <a:t>‹#›</a:t>
             </a:fld>
@@ -2127,7 +2127,7 @@
     </p:spTree>
     <p:extLst>
       <p:ext uri="{BB962C8B-B14F-4D97-AF65-F5344CB8AC3E}">
-        <p14:creationId xmlns:p14="http://schemas.microsoft.com/office/powerpoint/2010/main" val="3395326939"/>
+        <p14:creationId xmlns:p14="http://schemas.microsoft.com/office/powerpoint/2010/main" val="2065506130"/>
       </p:ext>
     </p:extLst>
   </p:cSld>
@@ -2159,7 +2159,7 @@
           <p:cNvPr id="2" name="标题 1">
             <a:extLst>
               <a:ext uri="{FF2B5EF4-FFF2-40B4-BE49-F238E27FC236}">
-                <a16:creationId xmlns:a16="http://schemas.microsoft.com/office/drawing/2014/main" id="{7472F398-1CDE-A5BC-243F-8BF26ABC0FC0}"/>
+                <a16:creationId xmlns:a16="http://schemas.microsoft.com/office/drawing/2014/main" id="{64EBC77F-F3D0-EC95-08C8-4C9773E48ED3}"/>
               </a:ext>
             </a:extLst>
           </p:cNvPr>
@@ -2196,7 +2196,7 @@
           <p:cNvPr id="3" name="内容占位符 2">
             <a:extLst>
               <a:ext uri="{FF2B5EF4-FFF2-40B4-BE49-F238E27FC236}">
-                <a16:creationId xmlns:a16="http://schemas.microsoft.com/office/drawing/2014/main" id="{B642F8EC-B0C6-D5E3-52A6-DD48B7ED9699}"/>
+                <a16:creationId xmlns:a16="http://schemas.microsoft.com/office/drawing/2014/main" id="{F9C5EC26-0979-CC7C-4234-D5DC5CD2ADDE}"/>
               </a:ext>
             </a:extLst>
           </p:cNvPr>
@@ -2286,7 +2286,7 @@
           <p:cNvPr id="4" name="文本占位符 3">
             <a:extLst>
               <a:ext uri="{FF2B5EF4-FFF2-40B4-BE49-F238E27FC236}">
-                <a16:creationId xmlns:a16="http://schemas.microsoft.com/office/drawing/2014/main" id="{147987B9-2181-D001-6C89-CEECE106CD06}"/>
+                <a16:creationId xmlns:a16="http://schemas.microsoft.com/office/drawing/2014/main" id="{D0525BED-9BBD-E68E-3D3C-6128E259362F}"/>
               </a:ext>
             </a:extLst>
           </p:cNvPr>
@@ -2357,7 +2357,7 @@
           <p:cNvPr id="5" name="日期占位符 4">
             <a:extLst>
               <a:ext uri="{FF2B5EF4-FFF2-40B4-BE49-F238E27FC236}">
-                <a16:creationId xmlns:a16="http://schemas.microsoft.com/office/drawing/2014/main" id="{C7481F35-9107-2380-4585-03588B457C3D}"/>
+                <a16:creationId xmlns:a16="http://schemas.microsoft.com/office/drawing/2014/main" id="{2F2B78E4-489E-BC7E-81C0-75BE28C55660}"/>
               </a:ext>
             </a:extLst>
           </p:cNvPr>
@@ -2373,7 +2373,7 @@
           <a:bodyPr/>
           <a:lstStyle/>
           <a:p>
-            <a:fld id="{18D42B14-2BF2-4DEB-BE6D-3455FD07ADA2}" type="datetimeFigureOut">
+            <a:fld id="{EEA0F9A1-8AFE-4FC2-AF72-5F60008C0567}" type="datetimeFigureOut">
               <a:rPr lang="zh-CN" altLang="en-US" smtClean="0"/>
               <a:t>2024/3/10</a:t>
             </a:fld>
@@ -2386,7 +2386,7 @@
           <p:cNvPr id="6" name="页脚占位符 5">
             <a:extLst>
               <a:ext uri="{FF2B5EF4-FFF2-40B4-BE49-F238E27FC236}">
-                <a16:creationId xmlns:a16="http://schemas.microsoft.com/office/drawing/2014/main" id="{23F1C0A2-5D9F-C940-EF3B-1A5C0F82FB75}"/>
+                <a16:creationId xmlns:a16="http://schemas.microsoft.com/office/drawing/2014/main" id="{12947346-5E27-C968-4817-2CA2D9DC8AFE}"/>
               </a:ext>
             </a:extLst>
           </p:cNvPr>
@@ -2411,7 +2411,7 @@
           <p:cNvPr id="7" name="灯片编号占位符 6">
             <a:extLst>
               <a:ext uri="{FF2B5EF4-FFF2-40B4-BE49-F238E27FC236}">
-                <a16:creationId xmlns:a16="http://schemas.microsoft.com/office/drawing/2014/main" id="{66943119-9504-2CBC-7AB2-D1005F49B4DB}"/>
+                <a16:creationId xmlns:a16="http://schemas.microsoft.com/office/drawing/2014/main" id="{BD43E6DA-70FD-3FBA-AC51-576CB4D4A08C}"/>
               </a:ext>
             </a:extLst>
           </p:cNvPr>
@@ -2427,7 +2427,7 @@
           <a:bodyPr/>
           <a:lstStyle/>
           <a:p>
-            <a:fld id="{222D2A2C-C437-4712-845D-F02769B17D27}" type="slidenum">
+            <a:fld id="{51E81332-3616-418F-808E-DBCF9FA63125}" type="slidenum">
               <a:rPr lang="zh-CN" altLang="en-US" smtClean="0"/>
               <a:t>‹#›</a:t>
             </a:fld>
@@ -2438,7 +2438,7 @@
     </p:spTree>
     <p:extLst>
       <p:ext uri="{BB962C8B-B14F-4D97-AF65-F5344CB8AC3E}">
-        <p14:creationId xmlns:p14="http://schemas.microsoft.com/office/powerpoint/2010/main" val="2372894929"/>
+        <p14:creationId xmlns:p14="http://schemas.microsoft.com/office/powerpoint/2010/main" val="297400111"/>
       </p:ext>
     </p:extLst>
   </p:cSld>
@@ -2470,7 +2470,7 @@
           <p:cNvPr id="2" name="标题 1">
             <a:extLst>
               <a:ext uri="{FF2B5EF4-FFF2-40B4-BE49-F238E27FC236}">
-                <a16:creationId xmlns:a16="http://schemas.microsoft.com/office/drawing/2014/main" id="{536DC87F-A526-64C4-1C3D-D3B6B65D910A}"/>
+                <a16:creationId xmlns:a16="http://schemas.microsoft.com/office/drawing/2014/main" id="{66CF0770-84A7-F262-440A-B579CFBA1049}"/>
               </a:ext>
             </a:extLst>
           </p:cNvPr>
@@ -2507,7 +2507,7 @@
           <p:cNvPr id="3" name="图片占位符 2">
             <a:extLst>
               <a:ext uri="{FF2B5EF4-FFF2-40B4-BE49-F238E27FC236}">
-                <a16:creationId xmlns:a16="http://schemas.microsoft.com/office/drawing/2014/main" id="{DAFFEEC8-C0E9-AA52-00DE-D4DE9B7F7D2F}"/>
+                <a16:creationId xmlns:a16="http://schemas.microsoft.com/office/drawing/2014/main" id="{B6B8B89E-8B7E-0C83-713E-5B12B1241DB0}"/>
               </a:ext>
             </a:extLst>
           </p:cNvPr>
@@ -2574,7 +2574,7 @@
           <p:cNvPr id="4" name="文本占位符 3">
             <a:extLst>
               <a:ext uri="{FF2B5EF4-FFF2-40B4-BE49-F238E27FC236}">
-                <a16:creationId xmlns:a16="http://schemas.microsoft.com/office/drawing/2014/main" id="{1EB704E4-7E2B-0426-98F7-2E02CA384334}"/>
+                <a16:creationId xmlns:a16="http://schemas.microsoft.com/office/drawing/2014/main" id="{4955F0A8-E3A1-DCC5-F0EF-637F1B20A709}"/>
               </a:ext>
             </a:extLst>
           </p:cNvPr>
@@ -2645,7 +2645,7 @@
           <p:cNvPr id="5" name="日期占位符 4">
             <a:extLst>
               <a:ext uri="{FF2B5EF4-FFF2-40B4-BE49-F238E27FC236}">
-                <a16:creationId xmlns:a16="http://schemas.microsoft.com/office/drawing/2014/main" id="{EE2FF7AA-5FF1-2898-2856-52124342265E}"/>
+                <a16:creationId xmlns:a16="http://schemas.microsoft.com/office/drawing/2014/main" id="{79911B94-41E0-9D7A-0DC5-50AF749E35D8}"/>
               </a:ext>
             </a:extLst>
           </p:cNvPr>
@@ -2661,7 +2661,7 @@
           <a:bodyPr/>
           <a:lstStyle/>
           <a:p>
-            <a:fld id="{18D42B14-2BF2-4DEB-BE6D-3455FD07ADA2}" type="datetimeFigureOut">
+            <a:fld id="{EEA0F9A1-8AFE-4FC2-AF72-5F60008C0567}" type="datetimeFigureOut">
               <a:rPr lang="zh-CN" altLang="en-US" smtClean="0"/>
               <a:t>2024/3/10</a:t>
             </a:fld>
@@ -2674,7 +2674,7 @@
           <p:cNvPr id="6" name="页脚占位符 5">
             <a:extLst>
               <a:ext uri="{FF2B5EF4-FFF2-40B4-BE49-F238E27FC236}">
-                <a16:creationId xmlns:a16="http://schemas.microsoft.com/office/drawing/2014/main" id="{1F889647-C647-C4DA-CC13-0B4ECFB16CB0}"/>
+                <a16:creationId xmlns:a16="http://schemas.microsoft.com/office/drawing/2014/main" id="{175CD662-702F-2070-8BEE-A1E36374E357}"/>
               </a:ext>
             </a:extLst>
           </p:cNvPr>
@@ -2699,7 +2699,7 @@
           <p:cNvPr id="7" name="灯片编号占位符 6">
             <a:extLst>
               <a:ext uri="{FF2B5EF4-FFF2-40B4-BE49-F238E27FC236}">
-                <a16:creationId xmlns:a16="http://schemas.microsoft.com/office/drawing/2014/main" id="{92273E6C-1F72-995F-7856-5F451111AB8D}"/>
+                <a16:creationId xmlns:a16="http://schemas.microsoft.com/office/drawing/2014/main" id="{B1F180F2-75CD-7A72-02ED-4DC663940B6A}"/>
               </a:ext>
             </a:extLst>
           </p:cNvPr>
@@ -2715,7 +2715,7 @@
           <a:bodyPr/>
           <a:lstStyle/>
           <a:p>
-            <a:fld id="{222D2A2C-C437-4712-845D-F02769B17D27}" type="slidenum">
+            <a:fld id="{51E81332-3616-418F-808E-DBCF9FA63125}" type="slidenum">
               <a:rPr lang="zh-CN" altLang="en-US" smtClean="0"/>
               <a:t>‹#›</a:t>
             </a:fld>
@@ -2726,7 +2726,7 @@
     </p:spTree>
     <p:extLst>
       <p:ext uri="{BB962C8B-B14F-4D97-AF65-F5344CB8AC3E}">
-        <p14:creationId xmlns:p14="http://schemas.microsoft.com/office/powerpoint/2010/main" val="3544173478"/>
+        <p14:creationId xmlns:p14="http://schemas.microsoft.com/office/powerpoint/2010/main" val="3280694763"/>
       </p:ext>
     </p:extLst>
   </p:cSld>
@@ -2763,7 +2763,7 @@
           <p:cNvPr id="2" name="标题占位符 1">
             <a:extLst>
               <a:ext uri="{FF2B5EF4-FFF2-40B4-BE49-F238E27FC236}">
-                <a16:creationId xmlns:a16="http://schemas.microsoft.com/office/drawing/2014/main" id="{DF20454D-6A8F-86F0-7C89-B9D0FFF0F89A}"/>
+                <a16:creationId xmlns:a16="http://schemas.microsoft.com/office/drawing/2014/main" id="{9CDCA5DC-43AA-E7DB-5FB9-CB46246C6DB6}"/>
               </a:ext>
             </a:extLst>
           </p:cNvPr>
@@ -2801,7 +2801,7 @@
           <p:cNvPr id="3" name="文本占位符 2">
             <a:extLst>
               <a:ext uri="{FF2B5EF4-FFF2-40B4-BE49-F238E27FC236}">
-                <a16:creationId xmlns:a16="http://schemas.microsoft.com/office/drawing/2014/main" id="{2E03938C-4626-4BF1-C3CC-D6EC9D8AF58D}"/>
+                <a16:creationId xmlns:a16="http://schemas.microsoft.com/office/drawing/2014/main" id="{E5FFEE04-66DA-581A-93CE-5F99CD5ED9FC}"/>
               </a:ext>
             </a:extLst>
           </p:cNvPr>
@@ -2868,7 +2868,7 @@
           <p:cNvPr id="4" name="日期占位符 3">
             <a:extLst>
               <a:ext uri="{FF2B5EF4-FFF2-40B4-BE49-F238E27FC236}">
-                <a16:creationId xmlns:a16="http://schemas.microsoft.com/office/drawing/2014/main" id="{36447242-4C01-EDE3-5CEB-5454A3514E11}"/>
+                <a16:creationId xmlns:a16="http://schemas.microsoft.com/office/drawing/2014/main" id="{0344FE05-2573-AA28-BF9D-98AA37C8C35E}"/>
               </a:ext>
             </a:extLst>
           </p:cNvPr>
@@ -2902,7 +2902,7 @@
             </a:lvl1pPr>
           </a:lstStyle>
           <a:p>
-            <a:fld id="{18D42B14-2BF2-4DEB-BE6D-3455FD07ADA2}" type="datetimeFigureOut">
+            <a:fld id="{EEA0F9A1-8AFE-4FC2-AF72-5F60008C0567}" type="datetimeFigureOut">
               <a:rPr lang="zh-CN" altLang="en-US" smtClean="0"/>
               <a:t>2024/3/10</a:t>
             </a:fld>
@@ -2915,7 +2915,7 @@
           <p:cNvPr id="5" name="页脚占位符 4">
             <a:extLst>
               <a:ext uri="{FF2B5EF4-FFF2-40B4-BE49-F238E27FC236}">
-                <a16:creationId xmlns:a16="http://schemas.microsoft.com/office/drawing/2014/main" id="{BDAB00A3-17AA-A3DB-23C7-39C9D708AFEE}"/>
+                <a16:creationId xmlns:a16="http://schemas.microsoft.com/office/drawing/2014/main" id="{1AE57482-F73D-82E0-8156-11264A3BD0E8}"/>
               </a:ext>
             </a:extLst>
           </p:cNvPr>
@@ -2958,7 +2958,7 @@
           <p:cNvPr id="6" name="灯片编号占位符 5">
             <a:extLst>
               <a:ext uri="{FF2B5EF4-FFF2-40B4-BE49-F238E27FC236}">
-                <a16:creationId xmlns:a16="http://schemas.microsoft.com/office/drawing/2014/main" id="{857B8038-C8E0-CBC3-2C12-982DDA3FC83C}"/>
+                <a16:creationId xmlns:a16="http://schemas.microsoft.com/office/drawing/2014/main" id="{D7485F18-B53C-337E-2177-1C64E9B74F69}"/>
               </a:ext>
             </a:extLst>
           </p:cNvPr>
@@ -2992,7 +2992,7 @@
             </a:lvl1pPr>
           </a:lstStyle>
           <a:p>
-            <a:fld id="{222D2A2C-C437-4712-845D-F02769B17D27}" type="slidenum">
+            <a:fld id="{51E81332-3616-418F-808E-DBCF9FA63125}" type="slidenum">
               <a:rPr lang="zh-CN" altLang="en-US" smtClean="0"/>
               <a:t>‹#›</a:t>
             </a:fld>
@@ -3003,7 +3003,7 @@
     </p:spTree>
     <p:extLst>
       <p:ext uri="{BB962C8B-B14F-4D97-AF65-F5344CB8AC3E}">
-        <p14:creationId xmlns:p14="http://schemas.microsoft.com/office/powerpoint/2010/main" val="965123315"/>
+        <p14:creationId xmlns:p14="http://schemas.microsoft.com/office/powerpoint/2010/main" val="3080036253"/>
       </p:ext>
     </p:extLst>
   </p:cSld>
